--- a/PPT/Python17-Regex.pptx
+++ b/PPT/Python17-Regex.pptx
@@ -610,35 +610,35 @@
           <a:p>
             <a:pPr lvl="0"/>
             <a:r>
-              <a:rPr lang="fr-FR" noProof="0" smtClean="0"/>
+              <a:rPr lang="fr-FR" noProof="0"/>
               <a:t>Cliquez pour modifier les styles du texte du masque</a:t>
             </a:r>
           </a:p>
           <a:p>
             <a:pPr lvl="1"/>
             <a:r>
-              <a:rPr lang="fr-FR" noProof="0" smtClean="0"/>
+              <a:rPr lang="fr-FR" noProof="0"/>
               <a:t>Deuxième niveau</a:t>
             </a:r>
           </a:p>
           <a:p>
             <a:pPr lvl="2"/>
             <a:r>
-              <a:rPr lang="fr-FR" noProof="0" smtClean="0"/>
+              <a:rPr lang="fr-FR" noProof="0"/>
               <a:t>Troisième niveau</a:t>
             </a:r>
           </a:p>
           <a:p>
             <a:pPr lvl="3"/>
             <a:r>
-              <a:rPr lang="fr-FR" noProof="0" smtClean="0"/>
+              <a:rPr lang="fr-FR" noProof="0"/>
               <a:t>Quatrième niveau</a:t>
             </a:r>
           </a:p>
           <a:p>
             <a:pPr lvl="4"/>
             <a:r>
-              <a:rPr lang="fr-FR" noProof="0" smtClean="0"/>
+              <a:rPr lang="fr-FR" noProof="0"/>
               <a:t>Cinquième niveau</a:t>
             </a:r>
           </a:p>
@@ -926,10 +926,9 @@
           <a:lstStyle/>
           <a:p>
             <a:r>
-              <a:rPr lang="fr-FR" smtClean="0"/>
+              <a:rPr lang="fr-FR"/>
               <a:t>Cliquez pour modifier le style du titre</a:t>
             </a:r>
-            <a:endParaRPr lang="fr-FR"/>
           </a:p>
         </p:txBody>
       </p:sp>
@@ -991,10 +990,9 @@
           </a:lstStyle>
           <a:p>
             <a:r>
-              <a:rPr lang="fr-FR" smtClean="0"/>
+              <a:rPr lang="fr-FR"/>
               <a:t>Cliquez pour modifier le style des sous-titres du masque</a:t>
             </a:r>
-            <a:endParaRPr lang="fr-FR"/>
           </a:p>
         </p:txBody>
       </p:sp>
@@ -1049,10 +1047,9 @@
           <a:lstStyle/>
           <a:p>
             <a:r>
-              <a:rPr lang="fr-FR" smtClean="0"/>
+              <a:rPr lang="fr-FR"/>
               <a:t>Cliquez pour modifier le style du titre</a:t>
             </a:r>
-            <a:endParaRPr lang="fr-FR"/>
           </a:p>
         </p:txBody>
       </p:sp>
@@ -1078,38 +1075,37 @@
           <a:p>
             <a:pPr lvl="0"/>
             <a:r>
-              <a:rPr lang="fr-FR" smtClean="0"/>
+              <a:rPr lang="fr-FR"/>
               <a:t>Cliquez pour modifier les styles du texte du masque</a:t>
             </a:r>
           </a:p>
           <a:p>
             <a:pPr lvl="1"/>
             <a:r>
-              <a:rPr lang="fr-FR" smtClean="0"/>
+              <a:rPr lang="fr-FR"/>
               <a:t>Deuxième niveau</a:t>
             </a:r>
           </a:p>
           <a:p>
             <a:pPr lvl="2"/>
             <a:r>
-              <a:rPr lang="fr-FR" smtClean="0"/>
+              <a:rPr lang="fr-FR"/>
               <a:t>Troisième niveau</a:t>
             </a:r>
           </a:p>
           <a:p>
             <a:pPr lvl="3"/>
             <a:r>
-              <a:rPr lang="fr-FR" smtClean="0"/>
+              <a:rPr lang="fr-FR"/>
               <a:t>Quatrième niveau</a:t>
             </a:r>
           </a:p>
           <a:p>
             <a:pPr lvl="4"/>
             <a:r>
-              <a:rPr lang="fr-FR" smtClean="0"/>
+              <a:rPr lang="fr-FR"/>
               <a:t>Cinquième niveau</a:t>
             </a:r>
-            <a:endParaRPr lang="fr-FR"/>
           </a:p>
         </p:txBody>
       </p:sp>
@@ -1168,10 +1164,9 @@
           </a:lstStyle>
           <a:p>
             <a:r>
-              <a:rPr lang="fr-FR" dirty="0" smtClean="0"/>
+              <a:rPr lang="fr-FR" dirty="0"/>
               <a:t>Cliquez pour modifier le style du titre</a:t>
             </a:r>
-            <a:endParaRPr lang="fr-FR" dirty="0"/>
           </a:p>
         </p:txBody>
       </p:sp>
@@ -1197,38 +1192,37 @@
           <a:p>
             <a:pPr lvl="0"/>
             <a:r>
-              <a:rPr lang="fr-FR" dirty="0" smtClean="0"/>
+              <a:rPr lang="fr-FR" dirty="0"/>
               <a:t>Cliquez pour modifier les styles du texte du masque</a:t>
             </a:r>
           </a:p>
           <a:p>
             <a:pPr lvl="1"/>
             <a:r>
-              <a:rPr lang="fr-FR" dirty="0" smtClean="0"/>
+              <a:rPr lang="fr-FR" dirty="0"/>
               <a:t>Deuxième niveau</a:t>
             </a:r>
           </a:p>
           <a:p>
             <a:pPr lvl="2"/>
             <a:r>
-              <a:rPr lang="fr-FR" dirty="0" smtClean="0"/>
+              <a:rPr lang="fr-FR" dirty="0"/>
               <a:t>Troisième niveau</a:t>
             </a:r>
           </a:p>
           <a:p>
             <a:pPr lvl="3"/>
             <a:r>
-              <a:rPr lang="fr-FR" dirty="0" smtClean="0"/>
+              <a:rPr lang="fr-FR" dirty="0"/>
               <a:t>Quatrième niveau</a:t>
             </a:r>
           </a:p>
           <a:p>
             <a:pPr lvl="4"/>
             <a:r>
-              <a:rPr lang="fr-FR" dirty="0" smtClean="0"/>
+              <a:rPr lang="fr-FR" dirty="0"/>
               <a:t>Cinquième niveau</a:t>
             </a:r>
-            <a:endParaRPr lang="fr-FR" dirty="0"/>
           </a:p>
         </p:txBody>
       </p:sp>
@@ -1278,10 +1272,9 @@
           <a:lstStyle/>
           <a:p>
             <a:r>
-              <a:rPr lang="fr-FR" smtClean="0"/>
+              <a:rPr lang="fr-FR"/>
               <a:t>Cliquez pour modifier le style du titre</a:t>
             </a:r>
-            <a:endParaRPr lang="fr-FR"/>
           </a:p>
         </p:txBody>
       </p:sp>
@@ -1335,38 +1328,37 @@
           <a:p>
             <a:pPr lvl="0"/>
             <a:r>
-              <a:rPr lang="fr-FR" smtClean="0"/>
+              <a:rPr lang="fr-FR"/>
               <a:t>Cliquez pour modifier les styles du texte du masque</a:t>
             </a:r>
           </a:p>
           <a:p>
             <a:pPr lvl="1"/>
             <a:r>
-              <a:rPr lang="fr-FR" smtClean="0"/>
+              <a:rPr lang="fr-FR"/>
               <a:t>Deuxième niveau</a:t>
             </a:r>
           </a:p>
           <a:p>
             <a:pPr lvl="2"/>
             <a:r>
-              <a:rPr lang="fr-FR" smtClean="0"/>
+              <a:rPr lang="fr-FR"/>
               <a:t>Troisième niveau</a:t>
             </a:r>
           </a:p>
           <a:p>
             <a:pPr lvl="3"/>
             <a:r>
-              <a:rPr lang="fr-FR" smtClean="0"/>
+              <a:rPr lang="fr-FR"/>
               <a:t>Quatrième niveau</a:t>
             </a:r>
           </a:p>
           <a:p>
             <a:pPr lvl="4"/>
             <a:r>
-              <a:rPr lang="fr-FR" smtClean="0"/>
+              <a:rPr lang="fr-FR"/>
               <a:t>Cinquième niveau</a:t>
             </a:r>
-            <a:endParaRPr lang="fr-FR"/>
           </a:p>
         </p:txBody>
       </p:sp>
@@ -1420,38 +1412,37 @@
           <a:p>
             <a:pPr lvl="0"/>
             <a:r>
-              <a:rPr lang="fr-FR" smtClean="0"/>
+              <a:rPr lang="fr-FR"/>
               <a:t>Cliquez pour modifier les styles du texte du masque</a:t>
             </a:r>
           </a:p>
           <a:p>
             <a:pPr lvl="1"/>
             <a:r>
-              <a:rPr lang="fr-FR" smtClean="0"/>
+              <a:rPr lang="fr-FR"/>
               <a:t>Deuxième niveau</a:t>
             </a:r>
           </a:p>
           <a:p>
             <a:pPr lvl="2"/>
             <a:r>
-              <a:rPr lang="fr-FR" smtClean="0"/>
+              <a:rPr lang="fr-FR"/>
               <a:t>Troisième niveau</a:t>
             </a:r>
           </a:p>
           <a:p>
             <a:pPr lvl="3"/>
             <a:r>
-              <a:rPr lang="fr-FR" smtClean="0"/>
+              <a:rPr lang="fr-FR"/>
               <a:t>Quatrième niveau</a:t>
             </a:r>
           </a:p>
           <a:p>
             <a:pPr lvl="4"/>
             <a:r>
-              <a:rPr lang="fr-FR" smtClean="0"/>
+              <a:rPr lang="fr-FR"/>
               <a:t>Cinquième niveau</a:t>
             </a:r>
-            <a:endParaRPr lang="fr-FR"/>
           </a:p>
         </p:txBody>
       </p:sp>
@@ -1510,10 +1501,9 @@
           </a:lstStyle>
           <a:p>
             <a:r>
-              <a:rPr lang="fr-FR" smtClean="0"/>
+              <a:rPr lang="fr-FR"/>
               <a:t>Cliquez pour modifier le style du titre</a:t>
             </a:r>
-            <a:endParaRPr lang="fr-FR"/>
           </a:p>
         </p:txBody>
       </p:sp>
@@ -1576,7 +1566,7 @@
           <a:p>
             <a:pPr lvl="0"/>
             <a:r>
-              <a:rPr lang="fr-FR" smtClean="0"/>
+              <a:rPr lang="fr-FR"/>
               <a:t>Cliquez pour modifier les styles du texte du masque</a:t>
             </a:r>
           </a:p>
@@ -1632,38 +1622,37 @@
           <a:p>
             <a:pPr lvl="0"/>
             <a:r>
-              <a:rPr lang="fr-FR" smtClean="0"/>
+              <a:rPr lang="fr-FR"/>
               <a:t>Cliquez pour modifier les styles du texte du masque</a:t>
             </a:r>
           </a:p>
           <a:p>
             <a:pPr lvl="1"/>
             <a:r>
-              <a:rPr lang="fr-FR" smtClean="0"/>
+              <a:rPr lang="fr-FR"/>
               <a:t>Deuxième niveau</a:t>
             </a:r>
           </a:p>
           <a:p>
             <a:pPr lvl="2"/>
             <a:r>
-              <a:rPr lang="fr-FR" smtClean="0"/>
+              <a:rPr lang="fr-FR"/>
               <a:t>Troisième niveau</a:t>
             </a:r>
           </a:p>
           <a:p>
             <a:pPr lvl="3"/>
             <a:r>
-              <a:rPr lang="fr-FR" smtClean="0"/>
+              <a:rPr lang="fr-FR"/>
               <a:t>Quatrième niveau</a:t>
             </a:r>
           </a:p>
           <a:p>
             <a:pPr lvl="4"/>
             <a:r>
-              <a:rPr lang="fr-FR" smtClean="0"/>
+              <a:rPr lang="fr-FR"/>
               <a:t>Cinquième niveau</a:t>
             </a:r>
-            <a:endParaRPr lang="fr-FR"/>
           </a:p>
         </p:txBody>
       </p:sp>
@@ -1726,7 +1715,7 @@
           <a:p>
             <a:pPr lvl="0"/>
             <a:r>
-              <a:rPr lang="fr-FR" smtClean="0"/>
+              <a:rPr lang="fr-FR"/>
               <a:t>Cliquez pour modifier les styles du texte du masque</a:t>
             </a:r>
           </a:p>
@@ -1782,38 +1771,37 @@
           <a:p>
             <a:pPr lvl="0"/>
             <a:r>
-              <a:rPr lang="fr-FR" smtClean="0"/>
+              <a:rPr lang="fr-FR"/>
               <a:t>Cliquez pour modifier les styles du texte du masque</a:t>
             </a:r>
           </a:p>
           <a:p>
             <a:pPr lvl="1"/>
             <a:r>
-              <a:rPr lang="fr-FR" smtClean="0"/>
+              <a:rPr lang="fr-FR"/>
               <a:t>Deuxième niveau</a:t>
             </a:r>
           </a:p>
           <a:p>
             <a:pPr lvl="2"/>
             <a:r>
-              <a:rPr lang="fr-FR" smtClean="0"/>
+              <a:rPr lang="fr-FR"/>
               <a:t>Troisième niveau</a:t>
             </a:r>
           </a:p>
           <a:p>
             <a:pPr lvl="3"/>
             <a:r>
-              <a:rPr lang="fr-FR" smtClean="0"/>
+              <a:rPr lang="fr-FR"/>
               <a:t>Quatrième niveau</a:t>
             </a:r>
           </a:p>
           <a:p>
             <a:pPr lvl="4"/>
             <a:r>
-              <a:rPr lang="fr-FR" smtClean="0"/>
+              <a:rPr lang="fr-FR"/>
               <a:t>Cinquième niveau</a:t>
             </a:r>
-            <a:endParaRPr lang="fr-FR"/>
           </a:p>
         </p:txBody>
       </p:sp>
@@ -1863,10 +1851,9 @@
           <a:lstStyle/>
           <a:p>
             <a:r>
-              <a:rPr lang="fr-FR" smtClean="0"/>
+              <a:rPr lang="fr-FR"/>
               <a:t>Cliquez pour modifier le style du titre</a:t>
             </a:r>
-            <a:endParaRPr lang="fr-FR"/>
           </a:p>
         </p:txBody>
       </p:sp>
@@ -1955,10 +1942,9 @@
           </a:lstStyle>
           <a:p>
             <a:r>
-              <a:rPr lang="fr-FR" smtClean="0"/>
+              <a:rPr lang="fr-FR"/>
               <a:t>Cliquez pour modifier le style du titre</a:t>
             </a:r>
-            <a:endParaRPr lang="fr-FR"/>
           </a:p>
         </p:txBody>
       </p:sp>
@@ -2012,38 +1998,37 @@
           <a:p>
             <a:pPr lvl="0"/>
             <a:r>
-              <a:rPr lang="fr-FR" smtClean="0"/>
+              <a:rPr lang="fr-FR"/>
               <a:t>Cliquez pour modifier les styles du texte du masque</a:t>
             </a:r>
           </a:p>
           <a:p>
             <a:pPr lvl="1"/>
             <a:r>
-              <a:rPr lang="fr-FR" smtClean="0"/>
+              <a:rPr lang="fr-FR"/>
               <a:t>Deuxième niveau</a:t>
             </a:r>
           </a:p>
           <a:p>
             <a:pPr lvl="2"/>
             <a:r>
-              <a:rPr lang="fr-FR" smtClean="0"/>
+              <a:rPr lang="fr-FR"/>
               <a:t>Troisième niveau</a:t>
             </a:r>
           </a:p>
           <a:p>
             <a:pPr lvl="3"/>
             <a:r>
-              <a:rPr lang="fr-FR" smtClean="0"/>
+              <a:rPr lang="fr-FR"/>
               <a:t>Quatrième niveau</a:t>
             </a:r>
           </a:p>
           <a:p>
             <a:pPr lvl="4"/>
             <a:r>
-              <a:rPr lang="fr-FR" smtClean="0"/>
+              <a:rPr lang="fr-FR"/>
               <a:t>Cinquième niveau</a:t>
             </a:r>
-            <a:endParaRPr lang="fr-FR"/>
           </a:p>
         </p:txBody>
       </p:sp>
@@ -2106,7 +2091,7 @@
           <a:p>
             <a:pPr lvl="0"/>
             <a:r>
-              <a:rPr lang="fr-FR" smtClean="0"/>
+              <a:rPr lang="fr-FR"/>
               <a:t>Cliquez pour modifier les styles du texte du masque</a:t>
             </a:r>
           </a:p>
@@ -2167,10 +2152,9 @@
           </a:lstStyle>
           <a:p>
             <a:r>
-              <a:rPr lang="fr-FR" smtClean="0"/>
+              <a:rPr lang="fr-FR"/>
               <a:t>Cliquez pour modifier le style du titre</a:t>
             </a:r>
-            <a:endParaRPr lang="fr-FR"/>
           </a:p>
         </p:txBody>
       </p:sp>
@@ -2232,7 +2216,7 @@
           </a:lstStyle>
           <a:p>
             <a:pPr lvl="0"/>
-            <a:endParaRPr lang="fr-FR" noProof="0" smtClean="0"/>
+            <a:endParaRPr lang="fr-FR" noProof="0"/>
           </a:p>
         </p:txBody>
       </p:sp>
@@ -2295,7 +2279,7 @@
           <a:p>
             <a:pPr lvl="0"/>
             <a:r>
-              <a:rPr lang="fr-FR" smtClean="0"/>
+              <a:rPr lang="fr-FR"/>
               <a:t>Cliquez pour modifier les styles du texte du masque</a:t>
             </a:r>
           </a:p>
@@ -2347,10 +2331,9 @@
           <a:lstStyle/>
           <a:p>
             <a:r>
-              <a:rPr lang="fr-FR" smtClean="0"/>
+              <a:rPr lang="fr-FR"/>
               <a:t>Cliquez pour modifier le style du titre</a:t>
             </a:r>
-            <a:endParaRPr lang="fr-FR"/>
           </a:p>
         </p:txBody>
       </p:sp>
@@ -2371,38 +2354,37 @@
           <a:p>
             <a:pPr lvl="0"/>
             <a:r>
-              <a:rPr lang="fr-FR" smtClean="0"/>
+              <a:rPr lang="fr-FR"/>
               <a:t>Cliquez pour modifier les styles du texte du masque</a:t>
             </a:r>
           </a:p>
           <a:p>
             <a:pPr lvl="1"/>
             <a:r>
-              <a:rPr lang="fr-FR" smtClean="0"/>
+              <a:rPr lang="fr-FR"/>
               <a:t>Deuxième niveau</a:t>
             </a:r>
           </a:p>
           <a:p>
             <a:pPr lvl="2"/>
             <a:r>
-              <a:rPr lang="fr-FR" smtClean="0"/>
+              <a:rPr lang="fr-FR"/>
               <a:t>Troisième niveau</a:t>
             </a:r>
           </a:p>
           <a:p>
             <a:pPr lvl="3"/>
             <a:r>
-              <a:rPr lang="fr-FR" smtClean="0"/>
+              <a:rPr lang="fr-FR"/>
               <a:t>Quatrième niveau</a:t>
             </a:r>
           </a:p>
           <a:p>
             <a:pPr lvl="4"/>
             <a:r>
-              <a:rPr lang="fr-FR" smtClean="0"/>
+              <a:rPr lang="fr-FR"/>
               <a:t>Cinquième niveau</a:t>
             </a:r>
-            <a:endParaRPr lang="fr-FR"/>
           </a:p>
         </p:txBody>
       </p:sp>
@@ -2583,7 +2565,7 @@
             <a:pPr eaLnBrk="1" hangingPunct="1">
               <a:defRPr/>
             </a:pPr>
-            <a:endParaRPr lang="fr-FR" altLang="fr-FR" smtClean="0"/>
+            <a:endParaRPr lang="fr-FR" altLang="fr-FR"/>
           </a:p>
         </p:txBody>
       </p:sp>
@@ -2737,7 +2719,7 @@
               <a:defRPr/>
             </a:pPr>
             <a:r>
-              <a:rPr lang="fr-FR" sz="1200" dirty="0" smtClean="0"/>
+              <a:rPr lang="fr-FR" sz="1200" dirty="0"/>
               <a:t>Page </a:t>
             </a:r>
             <a:fld id="{E218E9B1-FD08-4C80-902E-210BA2967D0D}" type="slidenum">
@@ -2750,7 +2732,7 @@
               </a:pPr>
               <a:t>‹N°›</a:t>
             </a:fld>
-            <a:endParaRPr lang="fr-FR" dirty="0" smtClean="0">
+            <a:endParaRPr lang="fr-FR" dirty="0">
               <a:latin typeface="Times New Roman" pitchFamily="18" charset="0"/>
             </a:endParaRPr>
           </a:p>
@@ -2906,10 +2888,10 @@
               <a:defRPr/>
             </a:pPr>
             <a:r>
-              <a:rPr lang="fr-FR" sz="1600" dirty="0" smtClean="0"/>
+              <a:rPr lang="fr-FR" sz="1600" dirty="0"/>
               <a:t>Python</a:t>
             </a:r>
-            <a:endParaRPr lang="fr-FR" dirty="0" smtClean="0">
+            <a:endParaRPr lang="fr-FR" dirty="0">
               <a:latin typeface="Times New Roman" pitchFamily="18" charset="0"/>
             </a:endParaRPr>
           </a:p>
@@ -2967,7 +2949,7 @@
           <a:p>
             <a:pPr lvl="0"/>
             <a:r>
-              <a:rPr lang="fr-FR" altLang="fr-FR" smtClean="0"/>
+              <a:rPr lang="fr-FR" altLang="fr-FR"/>
               <a:t>Cliquez pour modifier le style du titre du masque</a:t>
             </a:r>
           </a:p>
@@ -3025,35 +3007,35 @@
           <a:p>
             <a:pPr lvl="0"/>
             <a:r>
-              <a:rPr lang="fr-FR" altLang="fr-FR" smtClean="0"/>
+              <a:rPr lang="fr-FR" altLang="fr-FR"/>
               <a:t>Cliquez pour modifier les styles du texte du masque</a:t>
             </a:r>
           </a:p>
           <a:p>
             <a:pPr lvl="1"/>
             <a:r>
-              <a:rPr lang="fr-FR" altLang="fr-FR" smtClean="0"/>
+              <a:rPr lang="fr-FR" altLang="fr-FR"/>
               <a:t>Deuxième niveau</a:t>
             </a:r>
           </a:p>
           <a:p>
             <a:pPr lvl="2"/>
             <a:r>
-              <a:rPr lang="fr-FR" altLang="fr-FR" smtClean="0"/>
+              <a:rPr lang="fr-FR" altLang="fr-FR"/>
               <a:t>Troisième niveau</a:t>
             </a:r>
           </a:p>
           <a:p>
             <a:pPr lvl="3"/>
             <a:r>
-              <a:rPr lang="fr-FR" altLang="fr-FR" smtClean="0"/>
+              <a:rPr lang="fr-FR" altLang="fr-FR"/>
               <a:t>Quatrième niveau</a:t>
             </a:r>
           </a:p>
           <a:p>
             <a:pPr lvl="4"/>
             <a:r>
-              <a:rPr lang="fr-FR" altLang="fr-FR" smtClean="0"/>
+              <a:rPr lang="fr-FR" altLang="fr-FR"/>
               <a:t>Cinquième niveau</a:t>
             </a:r>
           </a:p>
@@ -3209,10 +3191,10 @@
               <a:defRPr/>
             </a:pPr>
             <a:r>
-              <a:rPr lang="fr-FR" sz="1200" smtClean="0"/>
+              <a:rPr lang="fr-FR" sz="1200"/>
               <a:t>© Cyril Vincent Conseil</a:t>
             </a:r>
-            <a:endParaRPr lang="fr-FR" smtClean="0">
+            <a:endParaRPr lang="fr-FR">
               <a:latin typeface="Times New Roman" pitchFamily="18" charset="0"/>
             </a:endParaRPr>
           </a:p>
@@ -3694,14 +3676,14 @@
           <a:p>
             <a:pPr eaLnBrk="1" hangingPunct="1"/>
             <a:r>
-              <a:rPr lang="fr-FR" altLang="fr-FR" dirty="0" smtClean="0"/>
+              <a:rPr lang="fr-FR" altLang="fr-FR" dirty="0"/>
               <a:t>Chapitre 17</a:t>
             </a:r>
           </a:p>
           <a:p>
             <a:pPr eaLnBrk="1" hangingPunct="1"/>
             <a:r>
-              <a:rPr lang="fr-FR" altLang="fr-FR" dirty="0" smtClean="0"/>
+              <a:rPr lang="fr-FR" altLang="fr-FR" dirty="0"/>
               <a:t>Les expressions régulières</a:t>
             </a:r>
           </a:p>
@@ -3753,13 +3735,6 @@
   <p:clrMapOvr>
     <a:masterClrMapping/>
   </p:clrMapOvr>
-  <p:timing>
-    <p:tnLst>
-      <p:par>
-        <p:cTn id="1" dur="indefinite" restart="never" nodeType="tmRoot"/>
-      </p:par>
-    </p:tnLst>
-  </p:timing>
 </p:sld>
 </file>
 
@@ -3796,7 +3771,7 @@
           <a:lstStyle/>
           <a:p>
             <a:r>
-              <a:rPr lang="fr-FR" dirty="0" err="1" smtClean="0"/>
+              <a:rPr lang="fr-FR" dirty="0" err="1"/>
               <a:t>RegEx</a:t>
             </a:r>
             <a:endParaRPr lang="fr-FR" dirty="0"/>
@@ -3820,47 +3795,42 @@
           <a:p>
             <a:r>
               <a:rPr lang="fr-FR" dirty="0"/>
-              <a:t>Les expressions régulières sont un puissant moyen de rechercher et d'isoler des expressions d'une chaîne de </a:t>
-            </a:r>
-            <a:r>
-              <a:rPr lang="fr-FR" dirty="0" smtClean="0"/>
-              <a:t>caractères.</a:t>
-            </a:r>
-          </a:p>
-          <a:p>
-            <a:r>
-              <a:rPr lang="fr-FR" dirty="0" smtClean="0"/>
+              <a:t>Les expressions régulières sont un puissant moyen de rechercher et d'isoler des expressions d'une chaîne de caractères.</a:t>
+            </a:r>
+          </a:p>
+          <a:p>
+            <a:r>
+              <a:rPr lang="fr-FR" dirty="0"/>
               <a:t>Exemple</a:t>
             </a:r>
           </a:p>
           <a:p>
             <a:pPr lvl="1"/>
             <a:r>
-              <a:rPr lang="fr-FR" dirty="0" smtClean="0"/>
+              <a:rPr lang="fr-FR" dirty="0"/>
               <a:t>Mail</a:t>
             </a:r>
           </a:p>
           <a:p>
             <a:pPr lvl="1"/>
             <a:r>
-              <a:rPr lang="fr-FR" dirty="0" smtClean="0"/>
+              <a:rPr lang="fr-FR" dirty="0"/>
               <a:t>URL</a:t>
             </a:r>
           </a:p>
           <a:p>
             <a:pPr lvl="1"/>
             <a:r>
-              <a:rPr lang="fr-FR" dirty="0" smtClean="0"/>
+              <a:rPr lang="fr-FR" dirty="0"/>
               <a:t>Numéro INSEE</a:t>
             </a:r>
           </a:p>
           <a:p>
             <a:pPr lvl="1"/>
             <a:r>
-              <a:rPr lang="fr-FR" dirty="0" smtClean="0"/>
+              <a:rPr lang="fr-FR" dirty="0"/>
               <a:t>ISBN</a:t>
             </a:r>
-            <a:endParaRPr lang="fr-FR" dirty="0"/>
           </a:p>
         </p:txBody>
       </p:sp>
@@ -3874,13 +3844,6 @@
   <p:clrMapOvr>
     <a:masterClrMapping/>
   </p:clrMapOvr>
-  <p:timing>
-    <p:tnLst>
-      <p:par>
-        <p:cTn id="1" dur="indefinite" restart="never" nodeType="tmRoot"/>
-      </p:par>
-    </p:tnLst>
-  </p:timing>
 </p:sld>
 </file>
 
@@ -3917,7 +3880,7 @@
           <a:lstStyle/>
           <a:p>
             <a:r>
-              <a:rPr lang="fr-FR" dirty="0" err="1" smtClean="0"/>
+              <a:rPr lang="fr-FR" dirty="0" err="1"/>
               <a:t>re</a:t>
             </a:r>
             <a:endParaRPr lang="fr-FR" dirty="0"/>
@@ -3940,18 +3903,18 @@
           <a:lstStyle/>
           <a:p>
             <a:r>
-              <a:rPr lang="fr-FR" dirty="0" smtClean="0"/>
+              <a:rPr lang="fr-FR" dirty="0"/>
               <a:t>Import </a:t>
             </a:r>
             <a:r>
-              <a:rPr lang="fr-FR" dirty="0" err="1" smtClean="0"/>
+              <a:rPr lang="fr-FR" dirty="0" err="1"/>
               <a:t>re</a:t>
             </a:r>
-            <a:endParaRPr lang="fr-FR" dirty="0" smtClean="0"/>
-          </a:p>
-          <a:p>
-            <a:r>
-              <a:rPr lang="fr-FR" dirty="0" smtClean="0"/>
+            <a:endParaRPr lang="fr-FR" dirty="0"/>
+          </a:p>
+          <a:p>
+            <a:r>
+              <a:rPr lang="fr-FR" dirty="0"/>
               <a:t>Syntaxe</a:t>
             </a:r>
           </a:p>
@@ -4031,10 +3994,9 @@
           <a:lstStyle/>
           <a:p>
             <a:r>
-              <a:rPr lang="fr-FR" dirty="0" smtClean="0"/>
+              <a:rPr lang="fr-FR" dirty="0"/>
               <a:t>Expressions</a:t>
             </a:r>
-            <a:endParaRPr lang="fr-FR" dirty="0"/>
           </a:p>
         </p:txBody>
       </p:sp>
@@ -4054,28 +4016,24 @@
           <a:lstStyle/>
           <a:p>
             <a:r>
-              <a:rPr lang="fr-FR" dirty="0" smtClean="0"/>
+              <a:rPr lang="fr-FR" dirty="0"/>
               <a:t>Une expressions régulière est un formalisme sous forme de string </a:t>
             </a:r>
             <a:r>
-              <a:rPr lang="fr-FR" dirty="0" err="1" smtClean="0"/>
+              <a:rPr lang="fr-FR" dirty="0" err="1"/>
               <a:t>nomalisé</a:t>
             </a:r>
-            <a:endParaRPr lang="fr-FR" dirty="0" smtClean="0"/>
+            <a:endParaRPr lang="fr-FR" dirty="0"/>
           </a:p>
           <a:p>
             <a:r>
               <a:rPr lang="fr-FR" dirty="0"/>
-              <a:t>a</a:t>
-            </a:r>
-            <a:r>
-              <a:rPr lang="fr-FR" dirty="0" smtClean="0"/>
-              <a:t>bc match la chaine abc</a:t>
-            </a:r>
-          </a:p>
-          <a:p>
-            <a:r>
-              <a:rPr lang="fr-FR" dirty="0" smtClean="0"/>
+              <a:t>abc match la chaine abc</a:t>
+            </a:r>
+          </a:p>
+          <a:p>
+            <a:r>
+              <a:rPr lang="fr-FR" dirty="0"/>
               <a:t>Cardinalité</a:t>
             </a:r>
           </a:p>
@@ -4089,42 +4047,42 @@
           <a:p>
             <a:pPr lvl="1"/>
             <a:r>
-              <a:rPr lang="fr-FR" dirty="0" smtClean="0"/>
+              <a:rPr lang="fr-FR" dirty="0"/>
               <a:t>? = {0,1} soit facultatif</a:t>
             </a:r>
           </a:p>
           <a:p>
             <a:pPr lvl="1"/>
             <a:r>
-              <a:rPr lang="fr-FR" dirty="0" smtClean="0"/>
+              <a:rPr lang="fr-FR" dirty="0"/>
               <a:t>* = {0, *} soit plusieurs</a:t>
             </a:r>
           </a:p>
           <a:p>
             <a:pPr lvl="1"/>
             <a:r>
-              <a:rPr lang="fr-FR" dirty="0" smtClean="0"/>
-              <a:t>+ = {1, *} soir au moins 1</a:t>
+              <a:rPr lang="fr-FR" dirty="0"/>
+              <a:t>+ = {1, *} soit au moins 1</a:t>
             </a:r>
           </a:p>
           <a:p>
             <a:pPr lvl="1"/>
             <a:r>
-              <a:rPr lang="fr-FR" dirty="0" smtClean="0"/>
+              <a:rPr lang="fr-FR" dirty="0"/>
               <a:t>{, n} = {0,n}</a:t>
             </a:r>
           </a:p>
           <a:p>
             <a:pPr lvl="1"/>
             <a:r>
-              <a:rPr lang="fr-FR" dirty="0" smtClean="0"/>
+              <a:rPr lang="fr-FR" dirty="0"/>
               <a:t>{n,} = {n,*}</a:t>
             </a:r>
           </a:p>
           <a:p>
             <a:pPr lvl="1"/>
             <a:r>
-              <a:rPr lang="fr-FR" dirty="0" smtClean="0"/>
+              <a:rPr lang="fr-FR" dirty="0"/>
               <a:t>Exemple abc?</a:t>
             </a:r>
           </a:p>
@@ -4179,10 +4137,9 @@
           <a:lstStyle/>
           <a:p>
             <a:r>
-              <a:rPr lang="fr-FR" dirty="0" smtClean="0"/>
+              <a:rPr lang="fr-FR" dirty="0"/>
               <a:t>Les classes de caractères</a:t>
             </a:r>
-            <a:endParaRPr lang="fr-FR" dirty="0"/>
           </a:p>
         </p:txBody>
       </p:sp>
@@ -4202,14 +4159,14 @@
           <a:lstStyle/>
           <a:p>
             <a:r>
-              <a:rPr lang="fr-FR" dirty="0" smtClean="0"/>
+              <a:rPr lang="fr-FR" dirty="0"/>
               <a:t>[] signifie une classe de caractère</a:t>
             </a:r>
           </a:p>
           <a:p>
             <a:pPr lvl="1"/>
             <a:r>
-              <a:rPr lang="fr-FR" dirty="0" smtClean="0"/>
+              <a:rPr lang="fr-FR" dirty="0"/>
               <a:t>[abc] = soit a soit b soit c</a:t>
             </a:r>
           </a:p>
@@ -4217,64 +4174,60 @@
             <a:pPr lvl="1"/>
             <a:r>
               <a:rPr lang="fr-FR" dirty="0"/>
-              <a:t>[A-Za-z0-9</a:t>
-            </a:r>
-            <a:r>
-              <a:rPr lang="fr-FR" dirty="0" smtClean="0"/>
-              <a:t>] = alphanumérique</a:t>
-            </a:r>
-          </a:p>
-          <a:p>
-            <a:r>
-              <a:rPr lang="fr-FR" dirty="0" smtClean="0"/>
+              <a:t>[A-Za-z0-9] = alphanumérique</a:t>
+            </a:r>
+          </a:p>
+          <a:p>
+            <a:r>
+              <a:rPr lang="fr-FR" dirty="0"/>
               <a:t>Groupe</a:t>
             </a:r>
           </a:p>
           <a:p>
             <a:pPr lvl="1"/>
             <a:r>
-              <a:rPr lang="fr-FR" dirty="0" smtClean="0"/>
+              <a:rPr lang="fr-FR" dirty="0"/>
               <a:t>() signifie groupe</a:t>
             </a:r>
           </a:p>
           <a:p>
             <a:pPr lvl="1"/>
             <a:r>
-              <a:rPr lang="fr-FR" dirty="0" smtClean="0"/>
+              <a:rPr lang="fr-FR" dirty="0"/>
               <a:t>(abc)*</a:t>
             </a:r>
           </a:p>
           <a:p>
             <a:r>
-              <a:rPr lang="fr-FR" dirty="0" smtClean="0"/>
+              <a:rPr lang="fr-FR" dirty="0"/>
               <a:t>Caractères spéciaux</a:t>
             </a:r>
           </a:p>
           <a:p>
             <a:pPr lvl="1"/>
             <a:r>
-              <a:rPr lang="fr-FR" dirty="0" smtClean="0"/>
+              <a:rPr lang="fr-FR" dirty="0"/>
               <a:t>+-?</a:t>
             </a:r>
           </a:p>
           <a:p>
             <a:pPr lvl="1"/>
             <a:r>
-              <a:rPr lang="fr-FR" dirty="0" smtClean="0"/>
+              <a:rPr lang="fr-FR" dirty="0"/>
               <a:t>. = n’importe quel caractère</a:t>
             </a:r>
           </a:p>
           <a:p>
             <a:pPr lvl="1"/>
             <a:r>
-              <a:rPr lang="fr-FR" dirty="0" smtClean="0"/>
+              <a:rPr lang="fr-FR" dirty="0"/>
               <a:t>^ = début de chaine</a:t>
             </a:r>
           </a:p>
           <a:p>
             <a:pPr lvl="1"/>
             <a:r>
-              <a:rPr lang="fr-FR" dirty="0" smtClean="0"/>
+              <a:rPr lang="fr-FR" dirty="0"/>
               <a:t>$ = fin de chaine</a:t>
             </a:r>
           </a:p>
@@ -4330,10 +4283,9 @@
           <a:lstStyle/>
           <a:p>
             <a:r>
-              <a:rPr lang="fr-FR" dirty="0" smtClean="0"/>
+              <a:rPr lang="fr-FR" dirty="0"/>
               <a:t>Echappements</a:t>
             </a:r>
-            <a:endParaRPr lang="fr-FR" dirty="0"/>
           </a:p>
         </p:txBody>
       </p:sp>
@@ -4353,83 +4305,72 @@
           <a:lstStyle/>
           <a:p>
             <a:r>
-              <a:rPr lang="fr-FR" dirty="0" smtClean="0"/>
+              <a:rPr lang="fr-FR" dirty="0"/>
               <a:t>\ est le caractère d’échappement</a:t>
             </a:r>
           </a:p>
           <a:p>
             <a:pPr lvl="1"/>
             <a:r>
-              <a:rPr lang="fr-FR" dirty="0" smtClean="0"/>
+              <a:rPr lang="fr-FR" dirty="0"/>
               <a:t>\n \t</a:t>
             </a:r>
           </a:p>
           <a:p>
             <a:pPr lvl="1"/>
             <a:r>
-              <a:rPr lang="fr-FR" dirty="0" smtClean="0"/>
+              <a:rPr lang="fr-FR" dirty="0"/>
               <a:t>\w = lettre (w = </a:t>
             </a:r>
             <a:r>
-              <a:rPr lang="fr-FR" dirty="0" err="1" smtClean="0"/>
+              <a:rPr lang="fr-FR" dirty="0" err="1"/>
               <a:t>word</a:t>
             </a:r>
             <a:r>
-              <a:rPr lang="fr-FR" dirty="0" smtClean="0"/>
+              <a:rPr lang="fr-FR" dirty="0"/>
               <a:t>); \W une non lettre</a:t>
             </a:r>
-            <a:endParaRPr lang="fr-FR" dirty="0" smtClean="0"/>
           </a:p>
           <a:p>
             <a:pPr lvl="1"/>
             <a:r>
-              <a:rPr lang="fr-FR" dirty="0" smtClean="0"/>
-              <a:t>\d </a:t>
-            </a:r>
-            <a:r>
-              <a:rPr lang="fr-FR" dirty="0" smtClean="0"/>
-              <a:t>= </a:t>
-            </a:r>
-            <a:r>
-              <a:rPr lang="fr-FR" dirty="0" smtClean="0"/>
-              <a:t>nombre(d = digit); \D un non chiffre</a:t>
+              <a:rPr lang="fr-FR" dirty="0"/>
+              <a:t>\d = nombre(d = digit); \D un non chiffre</a:t>
             </a:r>
           </a:p>
           <a:p>
             <a:pPr lvl="1"/>
             <a:r>
-              <a:rPr lang="fr-FR" dirty="0" smtClean="0"/>
+              <a:rPr lang="fr-FR" dirty="0"/>
               <a:t>\s = espace quelconque (s = </a:t>
             </a:r>
             <a:r>
-              <a:rPr lang="fr-FR" dirty="0" err="1" smtClean="0"/>
+              <a:rPr lang="fr-FR" dirty="0" err="1"/>
               <a:t>space</a:t>
             </a:r>
             <a:r>
-              <a:rPr lang="fr-FR" dirty="0" smtClean="0"/>
+              <a:rPr lang="fr-FR" dirty="0"/>
               <a:t>), \S un non espace</a:t>
             </a:r>
-            <a:endParaRPr lang="fr-FR" dirty="0" smtClean="0"/>
-          </a:p>
-          <a:p>
-            <a:r>
-              <a:rPr lang="fr-FR" dirty="0" smtClean="0"/>
+          </a:p>
+          <a:p>
+            <a:r>
+              <a:rPr lang="fr-FR" dirty="0"/>
               <a:t>\ est également le caractère d’échappement de Python, il faut donc le doubler dans une chaine</a:t>
             </a:r>
           </a:p>
           <a:p>
             <a:pPr lvl="1"/>
             <a:r>
-              <a:rPr lang="fr-FR" dirty="0" smtClean="0"/>
+              <a:rPr lang="fr-FR" dirty="0"/>
               <a:t>\\n</a:t>
             </a:r>
           </a:p>
           <a:p>
             <a:r>
-              <a:rPr lang="fr-FR" dirty="0" smtClean="0"/>
+              <a:rPr lang="fr-FR" dirty="0"/>
               <a:t>Ou bien il faut préfixer la chaîne par r</a:t>
             </a:r>
-            <a:endParaRPr lang="fr-FR" dirty="0"/>
           </a:p>
         </p:txBody>
       </p:sp>
@@ -4503,10 +4444,9 @@
           <a:lstStyle/>
           <a:p>
             <a:r>
-              <a:rPr lang="fr-FR" dirty="0" smtClean="0"/>
+              <a:rPr lang="fr-FR" dirty="0"/>
               <a:t>Remplacement</a:t>
             </a:r>
-            <a:endParaRPr lang="fr-FR" dirty="0"/>
           </a:p>
         </p:txBody>
       </p:sp>
@@ -4526,51 +4466,50 @@
           <a:lstStyle/>
           <a:p>
             <a:r>
-              <a:rPr lang="fr-FR" dirty="0" smtClean="0"/>
+              <a:rPr lang="fr-FR" dirty="0"/>
               <a:t>Les groupes () sont numérotés</a:t>
             </a:r>
           </a:p>
           <a:p>
             <a:pPr lvl="1"/>
             <a:r>
-              <a:rPr lang="fr-FR" dirty="0" smtClean="0"/>
+              <a:rPr lang="fr-FR" dirty="0"/>
               <a:t>(a)b(c) : a est le groupe 1 accessible par \1, c est le groupe 2 accessible par \2</a:t>
             </a:r>
           </a:p>
           <a:p>
             <a:r>
-              <a:rPr lang="fr-FR" dirty="0" err="1" smtClean="0"/>
+              <a:rPr lang="fr-FR" dirty="0" err="1"/>
               <a:t>Sub</a:t>
             </a:r>
-            <a:endParaRPr lang="fr-FR" dirty="0" smtClean="0"/>
-          </a:p>
-          <a:p>
             <a:endParaRPr lang="fr-FR" dirty="0"/>
           </a:p>
           <a:p>
-            <a:endParaRPr lang="fr-FR" dirty="0" smtClean="0"/>
-          </a:p>
-          <a:p>
-            <a:r>
-              <a:rPr lang="fr-FR" dirty="0" smtClean="0"/>
+            <a:endParaRPr lang="fr-FR" dirty="0"/>
+          </a:p>
+          <a:p>
+            <a:endParaRPr lang="fr-FR" dirty="0"/>
+          </a:p>
+          <a:p>
+            <a:r>
+              <a:rPr lang="fr-FR" dirty="0"/>
               <a:t>Compile</a:t>
             </a:r>
           </a:p>
           <a:p>
             <a:pPr lvl="1"/>
             <a:r>
-              <a:rPr lang="fr-FR" dirty="0" smtClean="0"/>
+              <a:rPr lang="fr-FR" dirty="0"/>
               <a:t>Permet de compiler un </a:t>
             </a:r>
             <a:r>
-              <a:rPr lang="fr-FR" dirty="0" err="1" smtClean="0"/>
+              <a:rPr lang="fr-FR" dirty="0" err="1"/>
               <a:t>regex</a:t>
             </a:r>
             <a:r>
-              <a:rPr lang="fr-FR" dirty="0" smtClean="0"/>
+              <a:rPr lang="fr-FR" dirty="0"/>
               <a:t> pour qu’elle soit plus rapide à exécuter la deuxième fois</a:t>
             </a:r>
-            <a:endParaRPr lang="fr-FR" dirty="0"/>
           </a:p>
         </p:txBody>
       </p:sp>
